--- a/minings/minings.pptx
+++ b/minings/minings.pptx
@@ -5,10 +5,8 @@
     <p:sldMasterId id="2147483648" r:id="rId1"/>
   </p:sldMasterIdLst>
   <p:sldIdLst>
-    <p:sldId id="258" r:id="rId2"/>
-    <p:sldId id="256" r:id="rId3"/>
-    <p:sldId id="262" r:id="rId4"/>
-    <p:sldId id="261" r:id="rId5"/>
+    <p:sldId id="256" r:id="rId2"/>
+    <p:sldId id="261" r:id="rId3"/>
   </p:sldIdLst>
   <p:sldSz cx="9144000" cy="6858000" type="screen4x3"/>
   <p:notesSz cx="6858000" cy="9144000"/>
@@ -136,7 +134,7 @@
           </c:tx>
           <c:cat>
             <c:strRef>
-              <c:f>'linux-2.6-versions'!$B$2:$B$8</c:f>
+              <c:f>'linux-2.6-fis'!$B$2:$B$8</c:f>
               <c:strCache>
                 <c:ptCount val="7"/>
                 <c:pt idx="0">
@@ -165,30 +163,30 @@
           </c:cat>
           <c:val>
             <c:numRef>
-              <c:f>'linux-2.6-versions'!$C$2:$C$8</c:f>
+              <c:f>'linux-2.6-fis'!$K$2:$K$8</c:f>
               <c:numCache>
                 <c:formatCode>General</c:formatCode>
                 <c:ptCount val="7"/>
                 <c:pt idx="0">
-                  <c:v>0.57649343214700011</c:v>
+                  <c:v>0.65395738208371024</c:v>
                 </c:pt>
                 <c:pt idx="1">
-                  <c:v>0.60088919454527012</c:v>
+                  <c:v>0.66496969703091025</c:v>
                 </c:pt>
                 <c:pt idx="2">
-                  <c:v>0.60106994297458016</c:v>
+                  <c:v>0.66677015657340066</c:v>
                 </c:pt>
                 <c:pt idx="3">
-                  <c:v>0.59131781022445995</c:v>
+                  <c:v>0.65065813914513027</c:v>
                 </c:pt>
                 <c:pt idx="4">
-                  <c:v>0.68707133558006006</c:v>
+                  <c:v>0.81492302592999</c:v>
                 </c:pt>
                 <c:pt idx="5">
-                  <c:v>0.66837159542686009</c:v>
+                  <c:v>0.78176477944567002</c:v>
                 </c:pt>
                 <c:pt idx="6">
-                  <c:v>0.63214993940011022</c:v>
+                  <c:v>0.82429405727628025</c:v>
                 </c:pt>
               </c:numCache>
             </c:numRef>
@@ -196,25 +194,25 @@
         </c:ser>
         <c:gapWidth val="75"/>
         <c:overlap val="-25"/>
-        <c:axId val="61651200"/>
-        <c:axId val="61657088"/>
+        <c:axId val="56275712"/>
+        <c:axId val="56277248"/>
       </c:barChart>
       <c:catAx>
-        <c:axId val="61651200"/>
+        <c:axId val="56275712"/>
         <c:scaling>
           <c:orientation val="minMax"/>
         </c:scaling>
         <c:axPos val="b"/>
         <c:majorTickMark val="none"/>
         <c:tickLblPos val="nextTo"/>
-        <c:crossAx val="61657088"/>
+        <c:crossAx val="56277248"/>
         <c:crosses val="autoZero"/>
         <c:auto val="1"/>
         <c:lblAlgn val="ctr"/>
         <c:lblOffset val="100"/>
       </c:catAx>
       <c:valAx>
-        <c:axId val="61657088"/>
+        <c:axId val="56277248"/>
         <c:scaling>
           <c:orientation val="minMax"/>
         </c:scaling>
@@ -223,7 +221,7 @@
         <c:numFmt formatCode="General" sourceLinked="1"/>
         <c:majorTickMark val="none"/>
         <c:tickLblPos val="nextTo"/>
-        <c:crossAx val="61651200"/>
+        <c:crossAx val="56275712"/>
         <c:crosses val="autoZero"/>
         <c:crossBetween val="between"/>
       </c:valAx>
@@ -255,7 +253,6 @@
 
 <file path=ppt/charts/chart2.xml><?xml version="1.0" encoding="utf-8"?>
 <c:chartSpace xmlns:c="http://schemas.openxmlformats.org/drawingml/2006/chart" xmlns:a="http://schemas.openxmlformats.org/drawingml/2006/main" xmlns:r="http://schemas.openxmlformats.org/officeDocument/2006/relationships">
-  <c:date1904 val="1"/>
   <c:lang val="en-US"/>
   <c:style val="34"/>
   <c:chart>
@@ -273,7 +270,7 @@
           </c:tx>
           <c:val>
             <c:numRef>
-              <c:f>'linux-2.6-versions'!$D$2:$D$8</c:f>
+              <c:f>'linux-2.6-fis'!$G$2:$G$8</c:f>
               <c:numCache>
                 <c:formatCode>General</c:formatCode>
                 <c:ptCount val="7"/>
@@ -310,7 +307,7 @@
           </c:tx>
           <c:cat>
             <c:strRef>
-              <c:f>'linux-2.6-versions'!$B$2:$B$8</c:f>
+              <c:f>'linux-2.6-fis'!$B$2:$B$8</c:f>
               <c:strCache>
                 <c:ptCount val="7"/>
                 <c:pt idx="0">
@@ -339,7 +336,7 @@
           </c:cat>
           <c:val>
             <c:numRef>
-              <c:f>'linux-2.6-versions'!$E$2:$E$8</c:f>
+              <c:f>'linux-2.6-fis'!$H$2:$H$8</c:f>
               <c:numCache>
                 <c:formatCode>General</c:formatCode>
                 <c:ptCount val="7"/>
@@ -370,25 +367,25 @@
         </c:ser>
         <c:gapWidth val="75"/>
         <c:overlap val="-25"/>
-        <c:axId val="32141312"/>
-        <c:axId val="32142848"/>
+        <c:axId val="56973568"/>
+        <c:axId val="56975360"/>
       </c:barChart>
       <c:catAx>
-        <c:axId val="32141312"/>
+        <c:axId val="56973568"/>
         <c:scaling>
           <c:orientation val="minMax"/>
         </c:scaling>
         <c:axPos val="b"/>
         <c:majorTickMark val="none"/>
         <c:tickLblPos val="nextTo"/>
-        <c:crossAx val="32142848"/>
+        <c:crossAx val="56975360"/>
         <c:crosses val="autoZero"/>
         <c:auto val="1"/>
         <c:lblAlgn val="ctr"/>
         <c:lblOffset val="100"/>
       </c:catAx>
       <c:valAx>
-        <c:axId val="32142848"/>
+        <c:axId val="56975360"/>
         <c:scaling>
           <c:orientation val="minMax"/>
         </c:scaling>
@@ -402,7 +399,7 @@
             <a:noFill/>
           </a:ln>
         </c:spPr>
-        <c:crossAx val="32141312"/>
+        <c:crossAx val="56973568"/>
         <c:crosses val="autoZero"/>
         <c:crossBetween val="between"/>
       </c:valAx>
@@ -436,7 +433,7 @@
 <c:chartSpace xmlns:c="http://schemas.openxmlformats.org/drawingml/2006/chart" xmlns:a="http://schemas.openxmlformats.org/drawingml/2006/main" xmlns:r="http://schemas.openxmlformats.org/officeDocument/2006/relationships">
   <c:date1904 val="1"/>
   <c:lang val="en-US"/>
-  <c:style val="37"/>
+  <c:style val="34"/>
   <c:chart>
     <c:autoTitleDeleted val="1"/>
     <c:plotArea>
@@ -448,63 +445,100 @@
           <c:idx val="0"/>
           <c:order val="0"/>
           <c:tx>
-            <c:v>Change localization</c:v>
+            <c:v>Code files added</c:v>
           </c:tx>
           <c:cat>
             <c:strRef>
-              <c:f>'linux-2.6-fis'!$B$2:$B$8</c:f>
+              <c:f>'wine-fis'!$B$2:$B$12</c:f>
               <c:strCache>
                 <c:ptCount val="7"/>
                 <c:pt idx="0">
-                  <c:v>Linux 2.6.24 to 2.6.25</c:v>
+                  <c:v>Wine 0.9 to 0.9.20</c:v>
                 </c:pt>
                 <c:pt idx="1">
-                  <c:v>Linux 2.6.25 to 2.6.26</c:v>
+                  <c:v>Wine 0.9.20 to 0.9.40</c:v>
                 </c:pt>
                 <c:pt idx="2">
-                  <c:v>Linux 2.6.26 to 2.6.27</c:v>
+                  <c:v>Wine 0.9.40 to 0.9.61</c:v>
                 </c:pt>
                 <c:pt idx="3">
-                  <c:v>Linux 2.6.27 to 2.6.28</c:v>
+                  <c:v>Wine 0.9.61 to 1.0</c:v>
                 </c:pt>
                 <c:pt idx="4">
-                  <c:v>Linux 2.6.28 to 2.6.29</c:v>
+                  <c:v>Wine 1.0 to 1.1.0</c:v>
                 </c:pt>
                 <c:pt idx="5">
-                  <c:v>Linux 2.6.29 to 2.6.30</c:v>
+                  <c:v>Wine 1.1.0 to 1.1.20</c:v>
                 </c:pt>
                 <c:pt idx="6">
-                  <c:v>Linux 2.6.30 to 2.6.31</c:v>
+                  <c:v>Wine 1.1.20 to 1.1.33</c:v>
                 </c:pt>
               </c:strCache>
             </c:strRef>
           </c:cat>
           <c:val>
             <c:numRef>
-              <c:f>'linux-2.6-fis'!$K$2:$K$8</c:f>
+              <c:f>'wine-fis'!$G$2:$G$8</c:f>
               <c:numCache>
                 <c:formatCode>General</c:formatCode>
                 <c:ptCount val="7"/>
                 <c:pt idx="0">
-                  <c:v>0.65395738208371013</c:v>
+                  <c:v>255</c:v>
                 </c:pt>
                 <c:pt idx="1">
-                  <c:v>0.66496969703091013</c:v>
+                  <c:v>194</c:v>
                 </c:pt>
                 <c:pt idx="2">
-                  <c:v>0.66677015657340033</c:v>
+                  <c:v>267</c:v>
                 </c:pt>
                 <c:pt idx="3">
-                  <c:v>0.65065813914513015</c:v>
+                  <c:v>0</c:v>
                 </c:pt>
                 <c:pt idx="4">
-                  <c:v>0.81492302592999</c:v>
+                  <c:v>10</c:v>
                 </c:pt>
                 <c:pt idx="5">
-                  <c:v>0.78176477944567002</c:v>
+                  <c:v>261</c:v>
                 </c:pt>
                 <c:pt idx="6">
-                  <c:v>0.82429405727628013</c:v>
+                  <c:v>158</c:v>
+                </c:pt>
+              </c:numCache>
+            </c:numRef>
+          </c:val>
+        </c:ser>
+        <c:ser>
+          <c:idx val="1"/>
+          <c:order val="1"/>
+          <c:tx>
+            <c:v>Code files moved</c:v>
+          </c:tx>
+          <c:val>
+            <c:numRef>
+              <c:f>'wine-fis'!$H$2:$H$8</c:f>
+              <c:numCache>
+                <c:formatCode>General</c:formatCode>
+                <c:ptCount val="7"/>
+                <c:pt idx="0">
+                  <c:v>271</c:v>
+                </c:pt>
+                <c:pt idx="1">
+                  <c:v>266</c:v>
+                </c:pt>
+                <c:pt idx="2">
+                  <c:v>4</c:v>
+                </c:pt>
+                <c:pt idx="3">
+                  <c:v>10</c:v>
+                </c:pt>
+                <c:pt idx="4">
+                  <c:v>0</c:v>
+                </c:pt>
+                <c:pt idx="5">
+                  <c:v>36</c:v>
+                </c:pt>
+                <c:pt idx="6">
+                  <c:v>25</c:v>
                 </c:pt>
               </c:numCache>
             </c:numRef>
@@ -512,25 +546,25 @@
         </c:ser>
         <c:gapWidth val="75"/>
         <c:overlap val="-25"/>
-        <c:axId val="32162944"/>
-        <c:axId val="32164480"/>
+        <c:axId val="57068544"/>
+        <c:axId val="57082624"/>
       </c:barChart>
       <c:catAx>
-        <c:axId val="32162944"/>
+        <c:axId val="57068544"/>
         <c:scaling>
           <c:orientation val="minMax"/>
         </c:scaling>
         <c:axPos val="b"/>
         <c:majorTickMark val="none"/>
         <c:tickLblPos val="nextTo"/>
-        <c:crossAx val="32164480"/>
+        <c:crossAx val="57082624"/>
         <c:crosses val="autoZero"/>
         <c:auto val="1"/>
         <c:lblAlgn val="ctr"/>
         <c:lblOffset val="100"/>
       </c:catAx>
       <c:valAx>
-        <c:axId val="32164480"/>
+        <c:axId val="57082624"/>
         <c:scaling>
           <c:orientation val="minMax"/>
         </c:scaling>
@@ -539,7 +573,7 @@
         <c:numFmt formatCode="General" sourceLinked="1"/>
         <c:majorTickMark val="none"/>
         <c:tickLblPos val="nextTo"/>
-        <c:crossAx val="32162944"/>
+        <c:crossAx val="57068544"/>
         <c:crosses val="autoZero"/>
         <c:crossBetween val="between"/>
       </c:valAx>
@@ -571,669 +605,7 @@
 
 <file path=ppt/charts/chart4.xml><?xml version="1.0" encoding="utf-8"?>
 <c:chartSpace xmlns:c="http://schemas.openxmlformats.org/drawingml/2006/chart" xmlns:a="http://schemas.openxmlformats.org/drawingml/2006/main" xmlns:r="http://schemas.openxmlformats.org/officeDocument/2006/relationships">
-  <c:lang val="en-US"/>
-  <c:style val="34"/>
-  <c:chart>
-    <c:autoTitleDeleted val="1"/>
-    <c:plotArea>
-      <c:layout/>
-      <c:barChart>
-        <c:barDir val="col"/>
-        <c:grouping val="clustered"/>
-        <c:ser>
-          <c:idx val="0"/>
-          <c:order val="0"/>
-          <c:tx>
-            <c:v>Code files added</c:v>
-          </c:tx>
-          <c:val>
-            <c:numRef>
-              <c:f>'linux-2.6-fis'!$G$2:$G$8</c:f>
-              <c:numCache>
-                <c:formatCode>General</c:formatCode>
-                <c:ptCount val="7"/>
-                <c:pt idx="0">
-                  <c:v>990</c:v>
-                </c:pt>
-                <c:pt idx="1">
-                  <c:v>635</c:v>
-                </c:pt>
-                <c:pt idx="2">
-                  <c:v>1504</c:v>
-                </c:pt>
-                <c:pt idx="3">
-                  <c:v>962</c:v>
-                </c:pt>
-                <c:pt idx="4">
-                  <c:v>1454</c:v>
-                </c:pt>
-                <c:pt idx="5">
-                  <c:v>1316</c:v>
-                </c:pt>
-                <c:pt idx="6">
-                  <c:v>1258</c:v>
-                </c:pt>
-              </c:numCache>
-            </c:numRef>
-          </c:val>
-        </c:ser>
-        <c:ser>
-          <c:idx val="1"/>
-          <c:order val="1"/>
-          <c:tx>
-            <c:v>Code files moved</c:v>
-          </c:tx>
-          <c:cat>
-            <c:strRef>
-              <c:f>'linux-2.6-fis'!$B$2:$B$8</c:f>
-              <c:strCache>
-                <c:ptCount val="7"/>
-                <c:pt idx="0">
-                  <c:v>Linux 2.6.24 to 2.6.25</c:v>
-                </c:pt>
-                <c:pt idx="1">
-                  <c:v>Linux 2.6.25 to 2.6.26</c:v>
-                </c:pt>
-                <c:pt idx="2">
-                  <c:v>Linux 2.6.26 to 2.6.27</c:v>
-                </c:pt>
-                <c:pt idx="3">
-                  <c:v>Linux 2.6.27 to 2.6.28</c:v>
-                </c:pt>
-                <c:pt idx="4">
-                  <c:v>Linux 2.6.28 to 2.6.29</c:v>
-                </c:pt>
-                <c:pt idx="5">
-                  <c:v>Linux 2.6.29 to 2.6.30</c:v>
-                </c:pt>
-                <c:pt idx="6">
-                  <c:v>Linux 2.6.30 to 2.6.31</c:v>
-                </c:pt>
-              </c:strCache>
-            </c:strRef>
-          </c:cat>
-          <c:val>
-            <c:numRef>
-              <c:f>'linux-2.6-fis'!$H$2:$H$8</c:f>
-              <c:numCache>
-                <c:formatCode>General</c:formatCode>
-                <c:ptCount val="7"/>
-                <c:pt idx="0">
-                  <c:v>110</c:v>
-                </c:pt>
-                <c:pt idx="1">
-                  <c:v>131</c:v>
-                </c:pt>
-                <c:pt idx="2">
-                  <c:v>2244</c:v>
-                </c:pt>
-                <c:pt idx="3">
-                  <c:v>1557</c:v>
-                </c:pt>
-                <c:pt idx="4">
-                  <c:v>764</c:v>
-                </c:pt>
-                <c:pt idx="5">
-                  <c:v>435</c:v>
-                </c:pt>
-                <c:pt idx="6">
-                  <c:v>128</c:v>
-                </c:pt>
-              </c:numCache>
-            </c:numRef>
-          </c:val>
-        </c:ser>
-        <c:gapWidth val="75"/>
-        <c:overlap val="-25"/>
-        <c:axId val="32262784"/>
-        <c:axId val="32264576"/>
-      </c:barChart>
-      <c:catAx>
-        <c:axId val="32262784"/>
-        <c:scaling>
-          <c:orientation val="minMax"/>
-        </c:scaling>
-        <c:axPos val="b"/>
-        <c:majorTickMark val="none"/>
-        <c:tickLblPos val="nextTo"/>
-        <c:crossAx val="32264576"/>
-        <c:crosses val="autoZero"/>
-        <c:auto val="1"/>
-        <c:lblAlgn val="ctr"/>
-        <c:lblOffset val="100"/>
-      </c:catAx>
-      <c:valAx>
-        <c:axId val="32264576"/>
-        <c:scaling>
-          <c:orientation val="minMax"/>
-        </c:scaling>
-        <c:axPos val="l"/>
-        <c:majorGridlines/>
-        <c:numFmt formatCode="General" sourceLinked="1"/>
-        <c:majorTickMark val="none"/>
-        <c:tickLblPos val="nextTo"/>
-        <c:spPr>
-          <a:ln w="9525">
-            <a:noFill/>
-          </a:ln>
-        </c:spPr>
-        <c:crossAx val="32262784"/>
-        <c:crosses val="autoZero"/>
-        <c:crossBetween val="between"/>
-      </c:valAx>
-    </c:plotArea>
-    <c:legend>
-      <c:legendPos val="b"/>
-      <c:layout/>
-    </c:legend>
-    <c:plotVisOnly val="1"/>
-  </c:chart>
-  <c:spPr>
-    <a:ln>
-      <a:noFill/>
-    </a:ln>
-  </c:spPr>
-  <c:txPr>
-    <a:bodyPr/>
-    <a:lstStyle/>
-    <a:p>
-      <a:pPr>
-        <a:defRPr sz="1400" b="1" i="0" baseline="0"/>
-      </a:pPr>
-      <a:endParaRPr lang="en-US"/>
-    </a:p>
-  </c:txPr>
-  <c:externalData r:id="rId1"/>
-</c:chartSpace>
-</file>
-
-<file path=ppt/charts/chart5.xml><?xml version="1.0" encoding="utf-8"?>
-<c:chartSpace xmlns:c="http://schemas.openxmlformats.org/drawingml/2006/chart" xmlns:a="http://schemas.openxmlformats.org/drawingml/2006/main" xmlns:r="http://schemas.openxmlformats.org/officeDocument/2006/relationships">
-  <c:lang val="en-US"/>
-  <c:style val="37"/>
-  <c:chart>
-    <c:autoTitleDeleted val="1"/>
-    <c:plotArea>
-      <c:layout/>
-      <c:barChart>
-        <c:barDir val="col"/>
-        <c:grouping val="clustered"/>
-        <c:ser>
-          <c:idx val="0"/>
-          <c:order val="0"/>
-          <c:tx>
-            <c:v>Change localization</c:v>
-          </c:tx>
-          <c:cat>
-            <c:strRef>
-              <c:f>'wine-versions'!$B$2:$B$12</c:f>
-              <c:strCache>
-                <c:ptCount val="7"/>
-                <c:pt idx="0">
-                  <c:v>Wine 0.9 to 0.9.20</c:v>
-                </c:pt>
-                <c:pt idx="1">
-                  <c:v>Wine 0.9.20 to 0.9.40</c:v>
-                </c:pt>
-                <c:pt idx="2">
-                  <c:v>Wine 0.9.40 to 0.9.61</c:v>
-                </c:pt>
-                <c:pt idx="3">
-                  <c:v>Wine 0.9.61 to 1.0</c:v>
-                </c:pt>
-                <c:pt idx="4">
-                  <c:v>Wine 1.0 to 1.1.0</c:v>
-                </c:pt>
-                <c:pt idx="5">
-                  <c:v>Wine 1.1.0 to 1.1.20</c:v>
-                </c:pt>
-                <c:pt idx="6">
-                  <c:v>Wine 1.1.20 to 1.1.33</c:v>
-                </c:pt>
-              </c:strCache>
-            </c:strRef>
-          </c:cat>
-          <c:val>
-            <c:numRef>
-              <c:f>'wine-versions'!$C$2:$C$8</c:f>
-              <c:numCache>
-                <c:formatCode>General</c:formatCode>
-                <c:ptCount val="7"/>
-                <c:pt idx="0">
-                  <c:v>0.58381543228747013</c:v>
-                </c:pt>
-                <c:pt idx="1">
-                  <c:v>0.61850393883853005</c:v>
-                </c:pt>
-                <c:pt idx="2">
-                  <c:v>0.51611508980379994</c:v>
-                </c:pt>
-                <c:pt idx="3">
-                  <c:v>0.41314394924999998</c:v>
-                </c:pt>
-                <c:pt idx="4">
-                  <c:v>0.34487480442958007</c:v>
-                </c:pt>
-                <c:pt idx="5">
-                  <c:v>0.54236011953527996</c:v>
-                </c:pt>
-                <c:pt idx="6">
-                  <c:v>0.54325228288985994</c:v>
-                </c:pt>
-              </c:numCache>
-            </c:numRef>
-          </c:val>
-        </c:ser>
-        <c:gapWidth val="75"/>
-        <c:overlap val="-25"/>
-        <c:axId val="32178176"/>
-        <c:axId val="32179712"/>
-      </c:barChart>
-      <c:catAx>
-        <c:axId val="32178176"/>
-        <c:scaling>
-          <c:orientation val="minMax"/>
-        </c:scaling>
-        <c:axPos val="b"/>
-        <c:majorTickMark val="none"/>
-        <c:tickLblPos val="nextTo"/>
-        <c:crossAx val="32179712"/>
-        <c:crosses val="autoZero"/>
-        <c:auto val="1"/>
-        <c:lblAlgn val="ctr"/>
-        <c:lblOffset val="100"/>
-      </c:catAx>
-      <c:valAx>
-        <c:axId val="32179712"/>
-        <c:scaling>
-          <c:orientation val="minMax"/>
-        </c:scaling>
-        <c:axPos val="l"/>
-        <c:majorGridlines/>
-        <c:numFmt formatCode="General" sourceLinked="1"/>
-        <c:majorTickMark val="none"/>
-        <c:tickLblPos val="nextTo"/>
-        <c:crossAx val="32178176"/>
-        <c:crosses val="autoZero"/>
-        <c:crossBetween val="between"/>
-      </c:valAx>
-    </c:plotArea>
-    <c:legend>
-      <c:legendPos val="b"/>
-      <c:layout/>
-    </c:legend>
-    <c:plotVisOnly val="1"/>
-  </c:chart>
-  <c:spPr>
-    <a:ln>
-      <a:noFill/>
-    </a:ln>
-  </c:spPr>
-  <c:txPr>
-    <a:bodyPr/>
-    <a:lstStyle/>
-    <a:p>
-      <a:pPr>
-        <a:defRPr sz="1400" b="1" i="0" baseline="0"/>
-      </a:pPr>
-      <a:endParaRPr lang="en-US"/>
-    </a:p>
-  </c:txPr>
-  <c:externalData r:id="rId1"/>
-</c:chartSpace>
-</file>
-
-<file path=ppt/charts/chart6.xml><?xml version="1.0" encoding="utf-8"?>
-<c:chartSpace xmlns:c="http://schemas.openxmlformats.org/drawingml/2006/chart" xmlns:a="http://schemas.openxmlformats.org/drawingml/2006/main" xmlns:r="http://schemas.openxmlformats.org/officeDocument/2006/relationships">
   <c:date1904 val="1"/>
-  <c:lang val="en-US"/>
-  <c:style val="34"/>
-  <c:chart>
-    <c:autoTitleDeleted val="1"/>
-    <c:plotArea>
-      <c:layout/>
-      <c:barChart>
-        <c:barDir val="col"/>
-        <c:grouping val="clustered"/>
-        <c:ser>
-          <c:idx val="0"/>
-          <c:order val="0"/>
-          <c:tx>
-            <c:v>Code files added</c:v>
-          </c:tx>
-          <c:cat>
-            <c:strRef>
-              <c:f>'wine-fis'!$B$2:$B$12</c:f>
-              <c:strCache>
-                <c:ptCount val="7"/>
-                <c:pt idx="0">
-                  <c:v>Wine 0.9 to 0.9.20</c:v>
-                </c:pt>
-                <c:pt idx="1">
-                  <c:v>Wine 0.9.20 to 0.9.40</c:v>
-                </c:pt>
-                <c:pt idx="2">
-                  <c:v>Wine 0.9.40 to 0.9.61</c:v>
-                </c:pt>
-                <c:pt idx="3">
-                  <c:v>Wine 0.9.61 to 1.0</c:v>
-                </c:pt>
-                <c:pt idx="4">
-                  <c:v>Wine 1.0 to 1.1.0</c:v>
-                </c:pt>
-                <c:pt idx="5">
-                  <c:v>Wine 1.1.0 to 1.1.20</c:v>
-                </c:pt>
-                <c:pt idx="6">
-                  <c:v>Wine 1.1.20 to 1.1.33</c:v>
-                </c:pt>
-              </c:strCache>
-            </c:strRef>
-          </c:cat>
-          <c:val>
-            <c:numRef>
-              <c:f>'wine-fis'!$G$2:$G$8</c:f>
-              <c:numCache>
-                <c:formatCode>General</c:formatCode>
-                <c:ptCount val="7"/>
-                <c:pt idx="0">
-                  <c:v>255</c:v>
-                </c:pt>
-                <c:pt idx="1">
-                  <c:v>194</c:v>
-                </c:pt>
-                <c:pt idx="2">
-                  <c:v>267</c:v>
-                </c:pt>
-                <c:pt idx="3">
-                  <c:v>0</c:v>
-                </c:pt>
-                <c:pt idx="4">
-                  <c:v>10</c:v>
-                </c:pt>
-                <c:pt idx="5">
-                  <c:v>261</c:v>
-                </c:pt>
-                <c:pt idx="6">
-                  <c:v>158</c:v>
-                </c:pt>
-              </c:numCache>
-            </c:numRef>
-          </c:val>
-        </c:ser>
-        <c:ser>
-          <c:idx val="1"/>
-          <c:order val="1"/>
-          <c:tx>
-            <c:v>Code files moved</c:v>
-          </c:tx>
-          <c:val>
-            <c:numRef>
-              <c:f>'wine-fis'!$H$2:$H$8</c:f>
-              <c:numCache>
-                <c:formatCode>General</c:formatCode>
-                <c:ptCount val="7"/>
-                <c:pt idx="0">
-                  <c:v>271</c:v>
-                </c:pt>
-                <c:pt idx="1">
-                  <c:v>266</c:v>
-                </c:pt>
-                <c:pt idx="2">
-                  <c:v>4</c:v>
-                </c:pt>
-                <c:pt idx="3">
-                  <c:v>10</c:v>
-                </c:pt>
-                <c:pt idx="4">
-                  <c:v>0</c:v>
-                </c:pt>
-                <c:pt idx="5">
-                  <c:v>36</c:v>
-                </c:pt>
-                <c:pt idx="6">
-                  <c:v>25</c:v>
-                </c:pt>
-              </c:numCache>
-            </c:numRef>
-          </c:val>
-        </c:ser>
-        <c:gapWidth val="75"/>
-        <c:overlap val="-25"/>
-        <c:axId val="32196096"/>
-        <c:axId val="32197632"/>
-      </c:barChart>
-      <c:catAx>
-        <c:axId val="32196096"/>
-        <c:scaling>
-          <c:orientation val="minMax"/>
-        </c:scaling>
-        <c:axPos val="b"/>
-        <c:majorTickMark val="none"/>
-        <c:tickLblPos val="nextTo"/>
-        <c:crossAx val="32197632"/>
-        <c:crosses val="autoZero"/>
-        <c:auto val="1"/>
-        <c:lblAlgn val="ctr"/>
-        <c:lblOffset val="100"/>
-      </c:catAx>
-      <c:valAx>
-        <c:axId val="32197632"/>
-        <c:scaling>
-          <c:orientation val="minMax"/>
-        </c:scaling>
-        <c:axPos val="l"/>
-        <c:majorGridlines/>
-        <c:numFmt formatCode="General" sourceLinked="1"/>
-        <c:majorTickMark val="none"/>
-        <c:tickLblPos val="nextTo"/>
-        <c:crossAx val="32196096"/>
-        <c:crosses val="autoZero"/>
-        <c:crossBetween val="between"/>
-      </c:valAx>
-    </c:plotArea>
-    <c:legend>
-      <c:legendPos val="b"/>
-      <c:layout/>
-    </c:legend>
-    <c:plotVisOnly val="1"/>
-  </c:chart>
-  <c:spPr>
-    <a:noFill/>
-    <a:ln>
-      <a:noFill/>
-    </a:ln>
-  </c:spPr>
-  <c:txPr>
-    <a:bodyPr/>
-    <a:lstStyle/>
-    <a:p>
-      <a:pPr>
-        <a:defRPr sz="1400" b="1" i="0" baseline="0"/>
-      </a:pPr>
-      <a:endParaRPr lang="en-US"/>
-    </a:p>
-  </c:txPr>
-  <c:externalData r:id="rId1"/>
-</c:chartSpace>
-</file>
-
-<file path=ppt/charts/chart7.xml><?xml version="1.0" encoding="utf-8"?>
-<c:chartSpace xmlns:c="http://schemas.openxmlformats.org/drawingml/2006/chart" xmlns:a="http://schemas.openxmlformats.org/drawingml/2006/main" xmlns:r="http://schemas.openxmlformats.org/officeDocument/2006/relationships">
-  <c:date1904 val="1"/>
-  <c:lang val="en-US"/>
-  <c:style val="34"/>
-  <c:chart>
-    <c:autoTitleDeleted val="1"/>
-    <c:plotArea>
-      <c:layout/>
-      <c:barChart>
-        <c:barDir val="col"/>
-        <c:grouping val="clustered"/>
-        <c:ser>
-          <c:idx val="0"/>
-          <c:order val="0"/>
-          <c:tx>
-            <c:v>Code files added</c:v>
-          </c:tx>
-          <c:cat>
-            <c:strRef>
-              <c:f>'wine-fis'!$B$2:$B$12</c:f>
-              <c:strCache>
-                <c:ptCount val="7"/>
-                <c:pt idx="0">
-                  <c:v>Wine 0.9 to 0.9.20</c:v>
-                </c:pt>
-                <c:pt idx="1">
-                  <c:v>Wine 0.9.20 to 0.9.40</c:v>
-                </c:pt>
-                <c:pt idx="2">
-                  <c:v>Wine 0.9.40 to 0.9.61</c:v>
-                </c:pt>
-                <c:pt idx="3">
-                  <c:v>Wine 0.9.61 to 1.0</c:v>
-                </c:pt>
-                <c:pt idx="4">
-                  <c:v>Wine 1.0 to 1.1.0</c:v>
-                </c:pt>
-                <c:pt idx="5">
-                  <c:v>Wine 1.1.0 to 1.1.20</c:v>
-                </c:pt>
-                <c:pt idx="6">
-                  <c:v>Wine 1.1.20 to 1.1.33</c:v>
-                </c:pt>
-              </c:strCache>
-            </c:strRef>
-          </c:cat>
-          <c:val>
-            <c:numRef>
-              <c:f>'wine-fis'!$G$2:$G$8</c:f>
-              <c:numCache>
-                <c:formatCode>General</c:formatCode>
-                <c:ptCount val="7"/>
-                <c:pt idx="0">
-                  <c:v>255</c:v>
-                </c:pt>
-                <c:pt idx="1">
-                  <c:v>194</c:v>
-                </c:pt>
-                <c:pt idx="2">
-                  <c:v>267</c:v>
-                </c:pt>
-                <c:pt idx="3">
-                  <c:v>0</c:v>
-                </c:pt>
-                <c:pt idx="4">
-                  <c:v>10</c:v>
-                </c:pt>
-                <c:pt idx="5">
-                  <c:v>261</c:v>
-                </c:pt>
-                <c:pt idx="6">
-                  <c:v>158</c:v>
-                </c:pt>
-              </c:numCache>
-            </c:numRef>
-          </c:val>
-        </c:ser>
-        <c:ser>
-          <c:idx val="1"/>
-          <c:order val="1"/>
-          <c:tx>
-            <c:v>Code files moved</c:v>
-          </c:tx>
-          <c:val>
-            <c:numRef>
-              <c:f>'wine-fis'!$H$2:$H$8</c:f>
-              <c:numCache>
-                <c:formatCode>General</c:formatCode>
-                <c:ptCount val="7"/>
-                <c:pt idx="0">
-                  <c:v>271</c:v>
-                </c:pt>
-                <c:pt idx="1">
-                  <c:v>266</c:v>
-                </c:pt>
-                <c:pt idx="2">
-                  <c:v>4</c:v>
-                </c:pt>
-                <c:pt idx="3">
-                  <c:v>10</c:v>
-                </c:pt>
-                <c:pt idx="4">
-                  <c:v>0</c:v>
-                </c:pt>
-                <c:pt idx="5">
-                  <c:v>36</c:v>
-                </c:pt>
-                <c:pt idx="6">
-                  <c:v>25</c:v>
-                </c:pt>
-              </c:numCache>
-            </c:numRef>
-          </c:val>
-        </c:ser>
-        <c:gapWidth val="75"/>
-        <c:overlap val="-25"/>
-        <c:axId val="32222592"/>
-        <c:axId val="32236672"/>
-      </c:barChart>
-      <c:catAx>
-        <c:axId val="32222592"/>
-        <c:scaling>
-          <c:orientation val="minMax"/>
-        </c:scaling>
-        <c:axPos val="b"/>
-        <c:majorTickMark val="none"/>
-        <c:tickLblPos val="nextTo"/>
-        <c:crossAx val="32236672"/>
-        <c:crosses val="autoZero"/>
-        <c:auto val="1"/>
-        <c:lblAlgn val="ctr"/>
-        <c:lblOffset val="100"/>
-      </c:catAx>
-      <c:valAx>
-        <c:axId val="32236672"/>
-        <c:scaling>
-          <c:orientation val="minMax"/>
-        </c:scaling>
-        <c:axPos val="l"/>
-        <c:majorGridlines/>
-        <c:numFmt formatCode="General" sourceLinked="1"/>
-        <c:majorTickMark val="none"/>
-        <c:tickLblPos val="nextTo"/>
-        <c:crossAx val="32222592"/>
-        <c:crosses val="autoZero"/>
-        <c:crossBetween val="between"/>
-      </c:valAx>
-    </c:plotArea>
-    <c:legend>
-      <c:legendPos val="b"/>
-      <c:layout/>
-    </c:legend>
-    <c:plotVisOnly val="1"/>
-  </c:chart>
-  <c:spPr>
-    <a:ln>
-      <a:noFill/>
-    </a:ln>
-  </c:spPr>
-  <c:txPr>
-    <a:bodyPr/>
-    <a:lstStyle/>
-    <a:p>
-      <a:pPr>
-        <a:defRPr sz="1400" b="1" i="0" baseline="0"/>
-      </a:pPr>
-      <a:endParaRPr lang="en-US"/>
-    </a:p>
-  </c:txPr>
-  <c:externalData r:id="rId1"/>
-</c:chartSpace>
-</file>
-
-<file path=ppt/charts/chart8.xml><?xml version="1.0" encoding="utf-8"?>
-<c:chartSpace xmlns:c="http://schemas.openxmlformats.org/drawingml/2006/chart" xmlns:a="http://schemas.openxmlformats.org/drawingml/2006/main" xmlns:r="http://schemas.openxmlformats.org/officeDocument/2006/relationships">
   <c:lang val="en-US"/>
   <c:style val="37"/>
   <c:chart>
@@ -1285,22 +657,22 @@
                 <c:formatCode>General</c:formatCode>
                 <c:ptCount val="7"/>
                 <c:pt idx="0">
-                  <c:v>0.70006224716526988</c:v>
+                  <c:v>0.70006224716526977</c:v>
                 </c:pt>
                 <c:pt idx="1">
-                  <c:v>0.72874675017241008</c:v>
+                  <c:v>0.7287467501724102</c:v>
                 </c:pt>
                 <c:pt idx="2">
-                  <c:v>0.73076923079648015</c:v>
+                  <c:v>0.73076923079648026</c:v>
                 </c:pt>
                 <c:pt idx="3">
                   <c:v>0</c:v>
                 </c:pt>
                 <c:pt idx="4">
-                  <c:v>0.15000000000000002</c:v>
+                  <c:v>0.15000000000000005</c:v>
                 </c:pt>
                 <c:pt idx="5">
-                  <c:v>0.70209846652731012</c:v>
+                  <c:v>0.70209846652731023</c:v>
                 </c:pt>
                 <c:pt idx="6">
                   <c:v>0.72169312173015998</c:v>
@@ -1311,11 +683,11 @@
         </c:ser>
         <c:gapWidth val="75"/>
         <c:overlap val="-25"/>
-        <c:axId val="32317824"/>
-        <c:axId val="32319360"/>
+        <c:axId val="57102336"/>
+        <c:axId val="57103872"/>
       </c:barChart>
       <c:catAx>
-        <c:axId val="32317824"/>
+        <c:axId val="57102336"/>
         <c:scaling>
           <c:orientation val="minMax"/>
         </c:scaling>
@@ -1323,14 +695,14 @@
         <c:numFmt formatCode="General" sourceLinked="1"/>
         <c:majorTickMark val="none"/>
         <c:tickLblPos val="nextTo"/>
-        <c:crossAx val="32319360"/>
+        <c:crossAx val="57103872"/>
         <c:crosses val="autoZero"/>
         <c:auto val="1"/>
         <c:lblAlgn val="ctr"/>
         <c:lblOffset val="100"/>
       </c:catAx>
       <c:valAx>
-        <c:axId val="32319360"/>
+        <c:axId val="57103872"/>
         <c:scaling>
           <c:orientation val="minMax"/>
         </c:scaling>
@@ -1339,7 +711,7 @@
         <c:numFmt formatCode="General" sourceLinked="1"/>
         <c:majorTickMark val="none"/>
         <c:tickLblPos val="nextTo"/>
-        <c:crossAx val="32317824"/>
+        <c:crossAx val="57102336"/>
         <c:crosses val="autoZero"/>
         <c:crossBetween val="between"/>
       </c:valAx>
@@ -1371,15 +743,6 @@
 
 <file path=ppt/comments/comment1.xml><?xml version="1.0" encoding="utf-8"?>
 <p:cmLst xmlns:a="http://schemas.openxmlformats.org/drawingml/2006/main" xmlns:r="http://schemas.openxmlformats.org/officeDocument/2006/relationships" xmlns:p="http://schemas.openxmlformats.org/presentationml/2006/main">
-  <p:cm authorId="0" dt="2009-11-29T21:37:17.916" idx="4">
-    <p:pos x="10" y="10"/>
-    <p:text>Commit Metrics</p:text>
-  </p:cm>
-</p:cmLst>
-</file>
-
-<file path=ppt/comments/comment2.xml><?xml version="1.0" encoding="utf-8"?>
-<p:cmLst xmlns:a="http://schemas.openxmlformats.org/drawingml/2006/main" xmlns:r="http://schemas.openxmlformats.org/officeDocument/2006/relationships" xmlns:p="http://schemas.openxmlformats.org/presentationml/2006/main">
   <p:cm authorId="0" dt="2009-11-29T21:37:11.634" idx="3">
     <p:pos x="10" y="10"/>
     <p:text>Frequent Item Set Metrics</p:text>
@@ -1387,16 +750,7 @@
 </p:cmLst>
 </file>
 
-<file path=ppt/comments/comment3.xml><?xml version="1.0" encoding="utf-8"?>
-<p:cmLst xmlns:a="http://schemas.openxmlformats.org/drawingml/2006/main" xmlns:r="http://schemas.openxmlformats.org/officeDocument/2006/relationships" xmlns:p="http://schemas.openxmlformats.org/presentationml/2006/main">
-  <p:cm authorId="0" dt="2009-11-29T21:37:04.306" idx="2">
-    <p:pos x="10" y="10"/>
-    <p:text>Commit Metrics</p:text>
-  </p:cm>
-</p:cmLst>
-</file>
-
-<file path=ppt/comments/comment4.xml><?xml version="1.0" encoding="utf-8"?>
+<file path=ppt/comments/comment2.xml><?xml version="1.0" encoding="utf-8"?>
 <p:cmLst xmlns:a="http://schemas.openxmlformats.org/drawingml/2006/main" xmlns:r="http://schemas.openxmlformats.org/officeDocument/2006/relationships" xmlns:p="http://schemas.openxmlformats.org/presentationml/2006/main">
   <p:cm authorId="0" dt="2009-11-29T21:36:50.744" idx="1">
     <p:pos x="10" y="10"/>
@@ -1587,7 +941,7 @@
             <a:fld id="{48FAC2D5-6D8A-4A64-A4C2-54E4E4E55EB4}" type="datetimeFigureOut">
               <a:rPr lang="en-US" smtClean="0"/>
               <a:pPr/>
-              <a:t>11/29/2009</a:t>
+              <a:t>11/30/2009</a:t>
             </a:fld>
             <a:endParaRPr lang="en-US"/>
           </a:p>
@@ -1754,7 +1108,7 @@
             <a:fld id="{48FAC2D5-6D8A-4A64-A4C2-54E4E4E55EB4}" type="datetimeFigureOut">
               <a:rPr lang="en-US" smtClean="0"/>
               <a:pPr/>
-              <a:t>11/29/2009</a:t>
+              <a:t>11/30/2009</a:t>
             </a:fld>
             <a:endParaRPr lang="en-US"/>
           </a:p>
@@ -1931,7 +1285,7 @@
             <a:fld id="{48FAC2D5-6D8A-4A64-A4C2-54E4E4E55EB4}" type="datetimeFigureOut">
               <a:rPr lang="en-US" smtClean="0"/>
               <a:pPr/>
-              <a:t>11/29/2009</a:t>
+              <a:t>11/30/2009</a:t>
             </a:fld>
             <a:endParaRPr lang="en-US"/>
           </a:p>
@@ -2098,7 +1452,7 @@
             <a:fld id="{48FAC2D5-6D8A-4A64-A4C2-54E4E4E55EB4}" type="datetimeFigureOut">
               <a:rPr lang="en-US" smtClean="0"/>
               <a:pPr/>
-              <a:t>11/29/2009</a:t>
+              <a:t>11/30/2009</a:t>
             </a:fld>
             <a:endParaRPr lang="en-US"/>
           </a:p>
@@ -2341,7 +1695,7 @@
             <a:fld id="{48FAC2D5-6D8A-4A64-A4C2-54E4E4E55EB4}" type="datetimeFigureOut">
               <a:rPr lang="en-US" smtClean="0"/>
               <a:pPr/>
-              <a:t>11/29/2009</a:t>
+              <a:t>11/30/2009</a:t>
             </a:fld>
             <a:endParaRPr lang="en-US"/>
           </a:p>
@@ -2626,7 +1980,7 @@
             <a:fld id="{48FAC2D5-6D8A-4A64-A4C2-54E4E4E55EB4}" type="datetimeFigureOut">
               <a:rPr lang="en-US" smtClean="0"/>
               <a:pPr/>
-              <a:t>11/29/2009</a:t>
+              <a:t>11/30/2009</a:t>
             </a:fld>
             <a:endParaRPr lang="en-US"/>
           </a:p>
@@ -3045,7 +2399,7 @@
             <a:fld id="{48FAC2D5-6D8A-4A64-A4C2-54E4E4E55EB4}" type="datetimeFigureOut">
               <a:rPr lang="en-US" smtClean="0"/>
               <a:pPr/>
-              <a:t>11/29/2009</a:t>
+              <a:t>11/30/2009</a:t>
             </a:fld>
             <a:endParaRPr lang="en-US"/>
           </a:p>
@@ -3160,7 +2514,7 @@
             <a:fld id="{48FAC2D5-6D8A-4A64-A4C2-54E4E4E55EB4}" type="datetimeFigureOut">
               <a:rPr lang="en-US" smtClean="0"/>
               <a:pPr/>
-              <a:t>11/29/2009</a:t>
+              <a:t>11/30/2009</a:t>
             </a:fld>
             <a:endParaRPr lang="en-US"/>
           </a:p>
@@ -3252,7 +2606,7 @@
             <a:fld id="{48FAC2D5-6D8A-4A64-A4C2-54E4E4E55EB4}" type="datetimeFigureOut">
               <a:rPr lang="en-US" smtClean="0"/>
               <a:pPr/>
-              <a:t>11/29/2009</a:t>
+              <a:t>11/30/2009</a:t>
             </a:fld>
             <a:endParaRPr lang="en-US"/>
           </a:p>
@@ -3526,7 +2880,7 @@
             <a:fld id="{48FAC2D5-6D8A-4A64-A4C2-54E4E4E55EB4}" type="datetimeFigureOut">
               <a:rPr lang="en-US" smtClean="0"/>
               <a:pPr/>
-              <a:t>11/29/2009</a:t>
+              <a:t>11/30/2009</a:t>
             </a:fld>
             <a:endParaRPr lang="en-US"/>
           </a:p>
@@ -3776,7 +3130,7 @@
             <a:fld id="{48FAC2D5-6D8A-4A64-A4C2-54E4E4E55EB4}" type="datetimeFigureOut">
               <a:rPr lang="en-US" smtClean="0"/>
               <a:pPr/>
-              <a:t>11/29/2009</a:t>
+              <a:t>11/30/2009</a:t>
             </a:fld>
             <a:endParaRPr lang="en-US"/>
           </a:p>
@@ -3986,7 +3340,7 @@
             <a:fld id="{48FAC2D5-6D8A-4A64-A4C2-54E4E4E55EB4}" type="datetimeFigureOut">
               <a:rPr lang="en-US" smtClean="0"/>
               <a:pPr/>
-              <a:t>11/29/2009</a:t>
+              <a:t>11/30/2009</a:t>
             </a:fld>
             <a:endParaRPr lang="en-US"/>
           </a:p>
@@ -4359,63 +3713,6 @@
       </p:grpSpPr>
       <p:graphicFrame>
         <p:nvGraphicFramePr>
-          <p:cNvPr id="7" name="Chart 6"/>
-          <p:cNvGraphicFramePr/>
-          <p:nvPr/>
-        </p:nvGraphicFramePr>
-        <p:xfrm>
-          <a:off x="-1" y="0"/>
-          <a:ext cx="9144001" cy="3357562"/>
-        </p:xfrm>
-        <a:graphic>
-          <a:graphicData uri="http://schemas.openxmlformats.org/drawingml/2006/chart">
-            <c:chart xmlns:c="http://schemas.openxmlformats.org/drawingml/2006/chart" xmlns:r="http://schemas.openxmlformats.org/officeDocument/2006/relationships" r:id="rId2"/>
-          </a:graphicData>
-        </a:graphic>
-      </p:graphicFrame>
-      <p:graphicFrame>
-        <p:nvGraphicFramePr>
-          <p:cNvPr id="10" name="Chart 9"/>
-          <p:cNvGraphicFramePr/>
-          <p:nvPr/>
-        </p:nvGraphicFramePr>
-        <p:xfrm>
-          <a:off x="0" y="3500438"/>
-          <a:ext cx="9144000" cy="3357562"/>
-        </p:xfrm>
-        <a:graphic>
-          <a:graphicData uri="http://schemas.openxmlformats.org/drawingml/2006/chart">
-            <c:chart xmlns:c="http://schemas.openxmlformats.org/drawingml/2006/chart" xmlns:r="http://schemas.openxmlformats.org/officeDocument/2006/relationships" r:id="rId3"/>
-          </a:graphicData>
-        </a:graphic>
-      </p:graphicFrame>
-    </p:spTree>
-  </p:cSld>
-  <p:clrMapOvr>
-    <a:masterClrMapping/>
-  </p:clrMapOvr>
-</p:sld>
-</file>
-
-<file path=ppt/slides/slide2.xml><?xml version="1.0" encoding="utf-8"?>
-<p:sld xmlns:a="http://schemas.openxmlformats.org/drawingml/2006/main" xmlns:r="http://schemas.openxmlformats.org/officeDocument/2006/relationships" xmlns:p="http://schemas.openxmlformats.org/presentationml/2006/main">
-  <p:cSld>
-    <p:spTree>
-      <p:nvGrpSpPr>
-        <p:cNvPr id="1" name=""/>
-        <p:cNvGrpSpPr/>
-        <p:nvPr/>
-      </p:nvGrpSpPr>
-      <p:grpSpPr>
-        <a:xfrm>
-          <a:off x="0" y="0"/>
-          <a:ext cx="0" cy="0"/>
-          <a:chOff x="0" y="0"/>
-          <a:chExt cx="0" cy="0"/>
-        </a:xfrm>
-      </p:grpSpPr>
-      <p:graphicFrame>
-        <p:nvGraphicFramePr>
           <p:cNvPr id="4" name="Chart 3"/>
           <p:cNvGraphicFramePr/>
           <p:nvPr/>
@@ -4454,64 +3751,7 @@
 </p:sld>
 </file>
 
-<file path=ppt/slides/slide3.xml><?xml version="1.0" encoding="utf-8"?>
-<p:sld xmlns:a="http://schemas.openxmlformats.org/drawingml/2006/main" xmlns:r="http://schemas.openxmlformats.org/officeDocument/2006/relationships" xmlns:p="http://schemas.openxmlformats.org/presentationml/2006/main">
-  <p:cSld>
-    <p:spTree>
-      <p:nvGrpSpPr>
-        <p:cNvPr id="1" name=""/>
-        <p:cNvGrpSpPr/>
-        <p:nvPr/>
-      </p:nvGrpSpPr>
-      <p:grpSpPr>
-        <a:xfrm>
-          <a:off x="0" y="0"/>
-          <a:ext cx="0" cy="0"/>
-          <a:chOff x="0" y="0"/>
-          <a:chExt cx="0" cy="0"/>
-        </a:xfrm>
-      </p:grpSpPr>
-      <p:graphicFrame>
-        <p:nvGraphicFramePr>
-          <p:cNvPr id="3" name="Chart 2"/>
-          <p:cNvGraphicFramePr/>
-          <p:nvPr/>
-        </p:nvGraphicFramePr>
-        <p:xfrm>
-          <a:off x="0" y="0"/>
-          <a:ext cx="9144000" cy="3357562"/>
-        </p:xfrm>
-        <a:graphic>
-          <a:graphicData uri="http://schemas.openxmlformats.org/drawingml/2006/chart">
-            <c:chart xmlns:c="http://schemas.openxmlformats.org/drawingml/2006/chart" xmlns:r="http://schemas.openxmlformats.org/officeDocument/2006/relationships" r:id="rId2"/>
-          </a:graphicData>
-        </a:graphic>
-      </p:graphicFrame>
-      <p:graphicFrame>
-        <p:nvGraphicFramePr>
-          <p:cNvPr id="4" name="Chart 3"/>
-          <p:cNvGraphicFramePr/>
-          <p:nvPr/>
-        </p:nvGraphicFramePr>
-        <p:xfrm>
-          <a:off x="0" y="3500438"/>
-          <a:ext cx="9144001" cy="3357562"/>
-        </p:xfrm>
-        <a:graphic>
-          <a:graphicData uri="http://schemas.openxmlformats.org/drawingml/2006/chart">
-            <c:chart xmlns:c="http://schemas.openxmlformats.org/drawingml/2006/chart" xmlns:r="http://schemas.openxmlformats.org/officeDocument/2006/relationships" r:id="rId3"/>
-          </a:graphicData>
-        </a:graphic>
-      </p:graphicFrame>
-    </p:spTree>
-  </p:cSld>
-  <p:clrMapOvr>
-    <a:masterClrMapping/>
-  </p:clrMapOvr>
-</p:sld>
-</file>
-
-<file path=ppt/slides/slide4.xml><?xml version="1.0" encoding="utf-8"?>
+<file path=ppt/slides/slide2.xml><?xml version="1.0" encoding="utf-8"?>
 <p:sld xmlns:a="http://schemas.openxmlformats.org/drawingml/2006/main" xmlns:r="http://schemas.openxmlformats.org/officeDocument/2006/relationships" xmlns:p="http://schemas.openxmlformats.org/presentationml/2006/main">
   <p:cSld>
     <p:spTree>
